--- a/Presentation1.pptx
+++ b/Presentation1.pptx
@@ -8,6 +8,8 @@
     <p:sldId id="256" r:id="rId2"/>
     <p:sldId id="257" r:id="rId3"/>
     <p:sldId id="258" r:id="rId4"/>
+    <p:sldId id="259" r:id="rId5"/>
+    <p:sldId id="260" r:id="rId6"/>
   </p:sldIdLst>
   <p:sldSz cx="12192000" cy="6858000"/>
   <p:notesSz cx="6858000" cy="9144000"/>
@@ -4125,6 +4127,1724 @@
 </p:sld>
 </file>
 
+<file path=ppt/slides/slide4.xml><?xml version="1.0" encoding="utf-8"?>
+<p:sld xmlns:a="http://schemas.openxmlformats.org/drawingml/2006/main" xmlns:r="http://schemas.openxmlformats.org/officeDocument/2006/relationships" xmlns:p="http://schemas.openxmlformats.org/presentationml/2006/main">
+  <p:cSld>
+    <p:spTree>
+      <p:nvGrpSpPr>
+        <p:cNvPr id="1" name=""/>
+        <p:cNvGrpSpPr/>
+        <p:nvPr/>
+      </p:nvGrpSpPr>
+      <p:grpSpPr>
+        <a:xfrm>
+          <a:off x="0" y="0"/>
+          <a:ext cx="0" cy="0"/>
+          <a:chOff x="0" y="0"/>
+          <a:chExt cx="0" cy="0"/>
+        </a:xfrm>
+      </p:grpSpPr>
+      <p:sp>
+        <p:nvSpPr>
+          <p:cNvPr id="6" name="Oval 5"/>
+          <p:cNvSpPr/>
+          <p:nvPr/>
+        </p:nvSpPr>
+        <p:spPr>
+          <a:xfrm>
+            <a:off x="1669145" y="2086966"/>
+            <a:ext cx="2757714" cy="2757714"/>
+          </a:xfrm>
+          <a:prstGeom prst="ellipse">
+            <a:avLst/>
+          </a:prstGeom>
+          <a:gradFill flip="none" rotWithShape="1">
+            <a:gsLst>
+              <a:gs pos="0">
+                <a:schemeClr val="accent6">
+                  <a:lumMod val="60000"/>
+                  <a:lumOff val="40000"/>
+                </a:schemeClr>
+              </a:gs>
+              <a:gs pos="44232">
+                <a:srgbClr val="7DB557"/>
+              </a:gs>
+              <a:gs pos="57000">
+                <a:schemeClr val="accent6"/>
+              </a:gs>
+              <a:gs pos="100000">
+                <a:schemeClr val="accent6">
+                  <a:lumMod val="75000"/>
+                </a:schemeClr>
+              </a:gs>
+            </a:gsLst>
+            <a:path path="circle">
+              <a:fillToRect l="50000" t="50000" r="50000" b="50000"/>
+            </a:path>
+            <a:tileRect/>
+          </a:gradFill>
+        </p:spPr>
+        <p:style>
+          <a:lnRef idx="2">
+            <a:schemeClr val="accent6">
+              <a:shade val="50000"/>
+            </a:schemeClr>
+          </a:lnRef>
+          <a:fillRef idx="1">
+            <a:schemeClr val="accent6"/>
+          </a:fillRef>
+          <a:effectRef idx="0">
+            <a:schemeClr val="accent6"/>
+          </a:effectRef>
+          <a:fontRef idx="minor">
+            <a:schemeClr val="lt1"/>
+          </a:fontRef>
+        </p:style>
+        <p:txBody>
+          <a:bodyPr rtlCol="0" anchor="ctr"/>
+          <a:lstStyle/>
+          <a:p>
+            <a:pPr algn="ctr"/>
+            <a:endParaRPr lang="en-GB"/>
+          </a:p>
+        </p:txBody>
+      </p:sp>
+      <p:sp>
+        <p:nvSpPr>
+          <p:cNvPr id="4" name="Rectangle 3"/>
+          <p:cNvSpPr/>
+          <p:nvPr/>
+        </p:nvSpPr>
+        <p:spPr>
+          <a:xfrm>
+            <a:off x="2456839" y="2018741"/>
+            <a:ext cx="2880000" cy="2880000"/>
+          </a:xfrm>
+          <a:prstGeom prst="rect">
+            <a:avLst/>
+          </a:prstGeom>
+          <a:solidFill>
+            <a:srgbClr val="0070C0"/>
+          </a:solidFill>
+          <a:ln>
+            <a:noFill/>
+          </a:ln>
+          <a:scene3d>
+            <a:camera prst="isometricOffAxis2Right"/>
+            <a:lightRig rig="sunset" dir="t"/>
+          </a:scene3d>
+          <a:sp3d extrusionH="63500" contourW="12700" prstMaterial="translucentPowder">
+            <a:contourClr>
+              <a:schemeClr val="tx2"/>
+            </a:contourClr>
+          </a:sp3d>
+        </p:spPr>
+        <p:style>
+          <a:lnRef idx="2">
+            <a:schemeClr val="accent1">
+              <a:shade val="50000"/>
+            </a:schemeClr>
+          </a:lnRef>
+          <a:fillRef idx="1">
+            <a:schemeClr val="accent1"/>
+          </a:fillRef>
+          <a:effectRef idx="0">
+            <a:schemeClr val="accent1"/>
+          </a:effectRef>
+          <a:fontRef idx="minor">
+            <a:schemeClr val="lt1"/>
+          </a:fontRef>
+        </p:style>
+        <p:txBody>
+          <a:bodyPr rtlCol="0" anchor="ctr"/>
+          <a:lstStyle/>
+          <a:p>
+            <a:pPr algn="ctr"/>
+            <a:endParaRPr lang="en-GB"/>
+          </a:p>
+        </p:txBody>
+      </p:sp>
+      <p:grpSp>
+        <p:nvGrpSpPr>
+          <p:cNvPr id="14" name="Group 13"/>
+          <p:cNvGrpSpPr/>
+          <p:nvPr/>
+        </p:nvGrpSpPr>
+        <p:grpSpPr>
+          <a:xfrm>
+            <a:off x="6379028" y="2763427"/>
+            <a:ext cx="1547127" cy="1440000"/>
+            <a:chOff x="10457543" y="3271429"/>
+            <a:chExt cx="1547127" cy="1440000"/>
+          </a:xfrm>
+        </p:grpSpPr>
+        <p:cxnSp>
+          <p:nvCxnSpPr>
+            <p:cNvPr id="8" name="Straight Connector 7"/>
+            <p:cNvCxnSpPr/>
+            <p:nvPr/>
+          </p:nvCxnSpPr>
+          <p:spPr>
+            <a:xfrm>
+              <a:off x="10508343" y="3425371"/>
+              <a:ext cx="1175657" cy="566058"/>
+            </a:xfrm>
+            <a:prstGeom prst="line">
+              <a:avLst/>
+            </a:prstGeom>
+            <a:ln w="38100"/>
+          </p:spPr>
+          <p:style>
+            <a:lnRef idx="3">
+              <a:schemeClr val="dk1"/>
+            </a:lnRef>
+            <a:fillRef idx="0">
+              <a:schemeClr val="dk1"/>
+            </a:fillRef>
+            <a:effectRef idx="2">
+              <a:schemeClr val="dk1"/>
+            </a:effectRef>
+            <a:fontRef idx="minor">
+              <a:schemeClr val="tx1"/>
+            </a:fontRef>
+          </p:style>
+        </p:cxnSp>
+        <p:cxnSp>
+          <p:nvCxnSpPr>
+            <p:cNvPr id="9" name="Straight Connector 8"/>
+            <p:cNvCxnSpPr/>
+            <p:nvPr/>
+          </p:nvCxnSpPr>
+          <p:spPr>
+            <a:xfrm flipV="1">
+              <a:off x="10457543" y="3991429"/>
+              <a:ext cx="1226457" cy="500742"/>
+            </a:xfrm>
+            <a:prstGeom prst="line">
+              <a:avLst/>
+            </a:prstGeom>
+            <a:ln w="38100"/>
+          </p:spPr>
+          <p:style>
+            <a:lnRef idx="2">
+              <a:schemeClr val="dk1"/>
+            </a:lnRef>
+            <a:fillRef idx="1">
+              <a:schemeClr val="lt1"/>
+            </a:fillRef>
+            <a:effectRef idx="0">
+              <a:schemeClr val="dk1"/>
+            </a:effectRef>
+            <a:fontRef idx="minor">
+              <a:schemeClr val="dk1"/>
+            </a:fontRef>
+          </p:style>
+        </p:cxnSp>
+        <p:sp>
+          <p:nvSpPr>
+            <p:cNvPr id="11" name="Arc 10"/>
+            <p:cNvSpPr/>
+            <p:nvPr/>
+          </p:nvSpPr>
+          <p:spPr>
+            <a:xfrm rot="13639851">
+              <a:off x="10564670" y="3271429"/>
+              <a:ext cx="1440000" cy="1440000"/>
+            </a:xfrm>
+            <a:prstGeom prst="arc">
+              <a:avLst/>
+            </a:prstGeom>
+          </p:spPr>
+          <p:style>
+            <a:lnRef idx="3">
+              <a:schemeClr val="dk1"/>
+            </a:lnRef>
+            <a:fillRef idx="0">
+              <a:schemeClr val="dk1"/>
+            </a:fillRef>
+            <a:effectRef idx="2">
+              <a:schemeClr val="dk1"/>
+            </a:effectRef>
+            <a:fontRef idx="minor">
+              <a:schemeClr val="tx1"/>
+            </a:fontRef>
+          </p:style>
+          <p:txBody>
+            <a:bodyPr rtlCol="0" anchor="ctr"/>
+            <a:lstStyle/>
+            <a:p>
+              <a:pPr algn="ctr"/>
+              <a:endParaRPr lang="en-GB" dirty="0"/>
+            </a:p>
+          </p:txBody>
+        </p:sp>
+        <p:sp>
+          <p:nvSpPr>
+            <p:cNvPr id="13" name="Oval 12"/>
+            <p:cNvSpPr/>
+            <p:nvPr/>
+          </p:nvSpPr>
+          <p:spPr>
+            <a:xfrm>
+              <a:off x="10508343" y="3708400"/>
+              <a:ext cx="378087" cy="516686"/>
+            </a:xfrm>
+            <a:prstGeom prst="ellipse">
+              <a:avLst/>
+            </a:prstGeom>
+          </p:spPr>
+          <p:style>
+            <a:lnRef idx="0">
+              <a:schemeClr val="dk1"/>
+            </a:lnRef>
+            <a:fillRef idx="3">
+              <a:schemeClr val="dk1"/>
+            </a:fillRef>
+            <a:effectRef idx="3">
+              <a:schemeClr val="dk1"/>
+            </a:effectRef>
+            <a:fontRef idx="minor">
+              <a:schemeClr val="lt1"/>
+            </a:fontRef>
+          </p:style>
+          <p:txBody>
+            <a:bodyPr rtlCol="0" anchor="ctr"/>
+            <a:lstStyle/>
+            <a:p>
+              <a:pPr algn="ctr"/>
+              <a:endParaRPr lang="en-GB"/>
+            </a:p>
+          </p:txBody>
+        </p:sp>
+      </p:grpSp>
+      <p:cxnSp>
+        <p:nvCxnSpPr>
+          <p:cNvPr id="16" name="Straight Connector 15"/>
+          <p:cNvCxnSpPr>
+            <a:endCxn id="13" idx="2"/>
+          </p:cNvCxnSpPr>
+          <p:nvPr/>
+        </p:nvCxnSpPr>
+        <p:spPr>
+          <a:xfrm flipV="1">
+            <a:off x="3896839" y="3458741"/>
+            <a:ext cx="2532989" cy="24686"/>
+          </a:xfrm>
+          <a:prstGeom prst="line">
+            <a:avLst/>
+          </a:prstGeom>
+          <a:ln w="25400">
+            <a:prstDash val="dash"/>
+            <a:headEnd type="triangle" w="lg" len="med"/>
+            <a:tailEnd type="none" w="lg" len="lg"/>
+          </a:ln>
+        </p:spPr>
+        <p:style>
+          <a:lnRef idx="3">
+            <a:schemeClr val="dk1"/>
+          </a:lnRef>
+          <a:fillRef idx="0">
+            <a:schemeClr val="dk1"/>
+          </a:fillRef>
+          <a:effectRef idx="2">
+            <a:schemeClr val="dk1"/>
+          </a:effectRef>
+          <a:fontRef idx="minor">
+            <a:schemeClr val="tx1"/>
+          </a:fontRef>
+        </p:style>
+      </p:cxnSp>
+    </p:spTree>
+    <p:extLst>
+      <p:ext uri="{BB962C8B-B14F-4D97-AF65-F5344CB8AC3E}">
+        <p14:creationId xmlns:p14="http://schemas.microsoft.com/office/powerpoint/2010/main" val="51867407"/>
+      </p:ext>
+    </p:extLst>
+  </p:cSld>
+  <p:clrMapOvr>
+    <a:masterClrMapping/>
+  </p:clrMapOvr>
+</p:sld>
+</file>
+
+<file path=ppt/slides/slide5.xml><?xml version="1.0" encoding="utf-8"?>
+<p:sld xmlns:a="http://schemas.openxmlformats.org/drawingml/2006/main" xmlns:r="http://schemas.openxmlformats.org/officeDocument/2006/relationships" xmlns:p="http://schemas.openxmlformats.org/presentationml/2006/main">
+  <p:cSld>
+    <p:spTree>
+      <p:nvGrpSpPr>
+        <p:cNvPr id="1" name=""/>
+        <p:cNvGrpSpPr/>
+        <p:nvPr/>
+      </p:nvGrpSpPr>
+      <p:grpSpPr>
+        <a:xfrm>
+          <a:off x="0" y="0"/>
+          <a:ext cx="0" cy="0"/>
+          <a:chOff x="0" y="0"/>
+          <a:chExt cx="0" cy="0"/>
+        </a:xfrm>
+      </p:grpSpPr>
+      <p:sp>
+        <p:nvSpPr>
+          <p:cNvPr id="5" name="Rectangle 4"/>
+          <p:cNvSpPr/>
+          <p:nvPr/>
+        </p:nvSpPr>
+        <p:spPr>
+          <a:xfrm>
+            <a:off x="259590" y="2569027"/>
+            <a:ext cx="1935892" cy="1687705"/>
+          </a:xfrm>
+          <a:prstGeom prst="rect">
+            <a:avLst/>
+          </a:prstGeom>
+          <a:effectLst>
+            <a:outerShdw blurRad="50800" dist="38100" dir="8100000" algn="tr" rotWithShape="0">
+              <a:prstClr val="black">
+                <a:alpha val="40000"/>
+              </a:prstClr>
+            </a:outerShdw>
+          </a:effectLst>
+        </p:spPr>
+        <p:style>
+          <a:lnRef idx="1">
+            <a:schemeClr val="accent3"/>
+          </a:lnRef>
+          <a:fillRef idx="2">
+            <a:schemeClr val="accent3"/>
+          </a:fillRef>
+          <a:effectRef idx="1">
+            <a:schemeClr val="accent3"/>
+          </a:effectRef>
+          <a:fontRef idx="minor">
+            <a:schemeClr val="dk1"/>
+          </a:fontRef>
+        </p:style>
+        <p:txBody>
+          <a:bodyPr rtlCol="0" anchor="t"/>
+          <a:lstStyle/>
+          <a:p>
+            <a:pPr algn="ctr"/>
+            <a:r>
+              <a:rPr lang="en-US" dirty="0" smtClean="0"/>
+              <a:t>Draw visible molecules </a:t>
+            </a:r>
+          </a:p>
+          <a:p>
+            <a:pPr algn="ctr"/>
+            <a:r>
+              <a:rPr lang="en-US" dirty="0"/>
+              <a:t>a</a:t>
+            </a:r>
+            <a:r>
+              <a:rPr lang="en-US" dirty="0" smtClean="0"/>
+              <a:t>t frame t-1</a:t>
+            </a:r>
+            <a:endParaRPr lang="en-GB" dirty="0"/>
+          </a:p>
+        </p:txBody>
+      </p:sp>
+      <p:cxnSp>
+        <p:nvCxnSpPr>
+          <p:cNvPr id="68" name="Straight Arrow Connector 67"/>
+          <p:cNvCxnSpPr>
+            <a:stCxn id="59" idx="1"/>
+            <a:endCxn id="5" idx="2"/>
+          </p:cNvCxnSpPr>
+          <p:nvPr/>
+        </p:nvCxnSpPr>
+        <p:spPr>
+          <a:xfrm flipH="1" flipV="1">
+            <a:off x="1227536" y="4256732"/>
+            <a:ext cx="5325274" cy="836678"/>
+          </a:xfrm>
+          <a:prstGeom prst="straightConnector1">
+            <a:avLst/>
+          </a:prstGeom>
+          <a:ln w="25400">
+            <a:solidFill>
+              <a:schemeClr val="tx1">
+                <a:lumMod val="65000"/>
+                <a:lumOff val="35000"/>
+              </a:schemeClr>
+            </a:solidFill>
+            <a:prstDash val="solid"/>
+            <a:tailEnd type="triangle" w="lg" len="lg"/>
+          </a:ln>
+        </p:spPr>
+        <p:style>
+          <a:lnRef idx="1">
+            <a:schemeClr val="accent1"/>
+          </a:lnRef>
+          <a:fillRef idx="0">
+            <a:schemeClr val="accent1"/>
+          </a:fillRef>
+          <a:effectRef idx="0">
+            <a:schemeClr val="accent1"/>
+          </a:effectRef>
+          <a:fontRef idx="minor">
+            <a:schemeClr val="tx1"/>
+          </a:fontRef>
+        </p:style>
+      </p:cxnSp>
+      <p:sp>
+        <p:nvSpPr>
+          <p:cNvPr id="6" name="Rectangle 5"/>
+          <p:cNvSpPr/>
+          <p:nvPr/>
+        </p:nvSpPr>
+        <p:spPr>
+          <a:xfrm>
+            <a:off x="2568891" y="2554514"/>
+            <a:ext cx="1935892" cy="1687704"/>
+          </a:xfrm>
+          <a:prstGeom prst="rect">
+            <a:avLst/>
+          </a:prstGeom>
+          <a:effectLst>
+            <a:outerShdw blurRad="50800" dist="38100" dir="8100000" algn="tr" rotWithShape="0">
+              <a:prstClr val="black">
+                <a:alpha val="40000"/>
+              </a:prstClr>
+            </a:outerShdw>
+          </a:effectLst>
+        </p:spPr>
+        <p:style>
+          <a:lnRef idx="1">
+            <a:schemeClr val="accent3"/>
+          </a:lnRef>
+          <a:fillRef idx="2">
+            <a:schemeClr val="accent3"/>
+          </a:fillRef>
+          <a:effectRef idx="1">
+            <a:schemeClr val="accent3"/>
+          </a:effectRef>
+          <a:fontRef idx="minor">
+            <a:schemeClr val="dk1"/>
+          </a:fontRef>
+        </p:style>
+        <p:txBody>
+          <a:bodyPr rtlCol="0" anchor="ctr"/>
+          <a:lstStyle/>
+          <a:p>
+            <a:pPr algn="ctr"/>
+            <a:r>
+              <a:rPr lang="en-US" dirty="0" smtClean="0"/>
+              <a:t>Generate </a:t>
+            </a:r>
+          </a:p>
+          <a:p>
+            <a:pPr algn="ctr"/>
+            <a:r>
+              <a:rPr lang="en-US" dirty="0" smtClean="0"/>
+              <a:t>N-Buffers</a:t>
+            </a:r>
+            <a:endParaRPr lang="en-GB" dirty="0"/>
+          </a:p>
+        </p:txBody>
+      </p:sp>
+      <p:sp>
+        <p:nvSpPr>
+          <p:cNvPr id="7" name="Rectangle 6"/>
+          <p:cNvSpPr/>
+          <p:nvPr/>
+        </p:nvSpPr>
+        <p:spPr>
+          <a:xfrm>
+            <a:off x="4878191" y="2565399"/>
+            <a:ext cx="1935892" cy="1676819"/>
+          </a:xfrm>
+          <a:prstGeom prst="rect">
+            <a:avLst/>
+          </a:prstGeom>
+          <a:effectLst>
+            <a:outerShdw blurRad="50800" dist="38100" dir="8100000" algn="tr" rotWithShape="0">
+              <a:prstClr val="black">
+                <a:alpha val="40000"/>
+              </a:prstClr>
+            </a:outerShdw>
+          </a:effectLst>
+        </p:spPr>
+        <p:style>
+          <a:lnRef idx="1">
+            <a:schemeClr val="accent3"/>
+          </a:lnRef>
+          <a:fillRef idx="2">
+            <a:schemeClr val="accent3"/>
+          </a:fillRef>
+          <a:effectRef idx="1">
+            <a:schemeClr val="accent3"/>
+          </a:effectRef>
+          <a:fontRef idx="minor">
+            <a:schemeClr val="dk1"/>
+          </a:fontRef>
+        </p:style>
+        <p:txBody>
+          <a:bodyPr rtlCol="0" anchor="t"/>
+          <a:lstStyle/>
+          <a:p>
+            <a:pPr algn="ctr"/>
+            <a:r>
+              <a:rPr lang="en-US" dirty="0" smtClean="0"/>
+              <a:t>Compute visibility for remaining molecules</a:t>
+            </a:r>
+            <a:endParaRPr lang="en-GB" dirty="0"/>
+          </a:p>
+        </p:txBody>
+      </p:sp>
+      <p:sp>
+        <p:nvSpPr>
+          <p:cNvPr id="8" name="Rectangle 7"/>
+          <p:cNvSpPr/>
+          <p:nvPr/>
+        </p:nvSpPr>
+        <p:spPr>
+          <a:xfrm>
+            <a:off x="7187491" y="2565400"/>
+            <a:ext cx="1935892" cy="1676818"/>
+          </a:xfrm>
+          <a:prstGeom prst="rect">
+            <a:avLst/>
+          </a:prstGeom>
+          <a:effectLst>
+            <a:outerShdw blurRad="50800" dist="38100" dir="8100000" algn="tr" rotWithShape="0">
+              <a:prstClr val="black">
+                <a:alpha val="40000"/>
+              </a:prstClr>
+            </a:outerShdw>
+          </a:effectLst>
+        </p:spPr>
+        <p:style>
+          <a:lnRef idx="1">
+            <a:schemeClr val="accent3"/>
+          </a:lnRef>
+          <a:fillRef idx="2">
+            <a:schemeClr val="accent3"/>
+          </a:fillRef>
+          <a:effectRef idx="1">
+            <a:schemeClr val="accent3"/>
+          </a:effectRef>
+          <a:fontRef idx="minor">
+            <a:schemeClr val="dk1"/>
+          </a:fontRef>
+        </p:style>
+        <p:txBody>
+          <a:bodyPr rtlCol="0" anchor="t"/>
+          <a:lstStyle/>
+          <a:p>
+            <a:pPr algn="ctr"/>
+            <a:r>
+              <a:rPr lang="en-US" dirty="0" smtClean="0"/>
+              <a:t>Draw remaining visible molecules</a:t>
+            </a:r>
+            <a:endParaRPr lang="en-GB" dirty="0"/>
+          </a:p>
+        </p:txBody>
+      </p:sp>
+      <p:sp>
+        <p:nvSpPr>
+          <p:cNvPr id="14" name="Rectangle 13"/>
+          <p:cNvSpPr/>
+          <p:nvPr/>
+        </p:nvSpPr>
+        <p:spPr>
+          <a:xfrm>
+            <a:off x="414907" y="3524210"/>
+            <a:ext cx="1625259" cy="609553"/>
+          </a:xfrm>
+          <a:prstGeom prst="rect">
+            <a:avLst/>
+          </a:prstGeom>
+          <a:solidFill>
+            <a:schemeClr val="lt1">
+              <a:alpha val="58000"/>
+            </a:schemeClr>
+          </a:solidFill>
+        </p:spPr>
+        <p:style>
+          <a:lnRef idx="2">
+            <a:schemeClr val="accent3"/>
+          </a:lnRef>
+          <a:fillRef idx="1">
+            <a:schemeClr val="lt1"/>
+          </a:fillRef>
+          <a:effectRef idx="0">
+            <a:schemeClr val="accent3"/>
+          </a:effectRef>
+          <a:fontRef idx="minor">
+            <a:schemeClr val="dk1"/>
+          </a:fontRef>
+        </p:style>
+        <p:txBody>
+          <a:bodyPr rtlCol="0" anchor="ctr"/>
+          <a:lstStyle/>
+          <a:p>
+            <a:pPr algn="ctr"/>
+            <a:r>
+              <a:rPr lang="en-US" sz="1400" dirty="0" smtClean="0"/>
+              <a:t>Generate &amp; issue render commands</a:t>
+            </a:r>
+            <a:endParaRPr lang="en-GB" sz="1400" dirty="0"/>
+          </a:p>
+        </p:txBody>
+      </p:sp>
+      <p:sp>
+        <p:nvSpPr>
+          <p:cNvPr id="18" name="Rectangle 17"/>
+          <p:cNvSpPr/>
+          <p:nvPr/>
+        </p:nvSpPr>
+        <p:spPr>
+          <a:xfrm>
+            <a:off x="9496791" y="2565400"/>
+            <a:ext cx="1935892" cy="1676818"/>
+          </a:xfrm>
+          <a:prstGeom prst="rect">
+            <a:avLst/>
+          </a:prstGeom>
+          <a:effectLst>
+            <a:outerShdw blurRad="50800" dist="38100" dir="8100000" algn="tr" rotWithShape="0">
+              <a:prstClr val="black">
+                <a:alpha val="40000"/>
+              </a:prstClr>
+            </a:outerShdw>
+          </a:effectLst>
+        </p:spPr>
+        <p:style>
+          <a:lnRef idx="1">
+            <a:schemeClr val="accent3"/>
+          </a:lnRef>
+          <a:fillRef idx="2">
+            <a:schemeClr val="accent3"/>
+          </a:fillRef>
+          <a:effectRef idx="1">
+            <a:schemeClr val="accent3"/>
+          </a:effectRef>
+          <a:fontRef idx="minor">
+            <a:schemeClr val="dk1"/>
+          </a:fontRef>
+        </p:style>
+        <p:txBody>
+          <a:bodyPr rtlCol="0" anchor="ctr"/>
+          <a:lstStyle/>
+          <a:p>
+            <a:pPr algn="ctr"/>
+            <a:r>
+              <a:rPr lang="en-US" dirty="0" smtClean="0"/>
+              <a:t>Read visibility from item buffer</a:t>
+            </a:r>
+          </a:p>
+        </p:txBody>
+      </p:sp>
+      <p:sp>
+        <p:nvSpPr>
+          <p:cNvPr id="22" name="Rectangle 21"/>
+          <p:cNvSpPr/>
+          <p:nvPr/>
+        </p:nvSpPr>
+        <p:spPr>
+          <a:xfrm>
+            <a:off x="11806091" y="2565400"/>
+            <a:ext cx="1935892" cy="1691332"/>
+          </a:xfrm>
+          <a:prstGeom prst="rect">
+            <a:avLst/>
+          </a:prstGeom>
+          <a:effectLst>
+            <a:outerShdw blurRad="50800" dist="38100" dir="8100000" algn="tr" rotWithShape="0">
+              <a:prstClr val="black">
+                <a:alpha val="40000"/>
+              </a:prstClr>
+            </a:outerShdw>
+          </a:effectLst>
+        </p:spPr>
+        <p:style>
+          <a:lnRef idx="1">
+            <a:schemeClr val="accent3"/>
+          </a:lnRef>
+          <a:fillRef idx="2">
+            <a:schemeClr val="accent3"/>
+          </a:fillRef>
+          <a:effectRef idx="1">
+            <a:schemeClr val="accent3"/>
+          </a:effectRef>
+          <a:fontRef idx="minor">
+            <a:schemeClr val="dk1"/>
+          </a:fontRef>
+        </p:style>
+        <p:txBody>
+          <a:bodyPr rtlCol="0" anchor="ctr"/>
+          <a:lstStyle/>
+          <a:p>
+            <a:pPr algn="ctr"/>
+            <a:r>
+              <a:rPr lang="en-US" dirty="0" smtClean="0"/>
+              <a:t>Fetch colors from item buffer</a:t>
+            </a:r>
+            <a:endParaRPr lang="en-GB" dirty="0"/>
+          </a:p>
+        </p:txBody>
+      </p:sp>
+      <p:sp>
+        <p:nvSpPr>
+          <p:cNvPr id="23" name="Rectangle 22"/>
+          <p:cNvSpPr/>
+          <p:nvPr/>
+        </p:nvSpPr>
+        <p:spPr>
+          <a:xfrm>
+            <a:off x="7665180" y="1019676"/>
+            <a:ext cx="974230" cy="974230"/>
+          </a:xfrm>
+          <a:prstGeom prst="rect">
+            <a:avLst/>
+          </a:prstGeom>
+          <a:solidFill>
+            <a:schemeClr val="accent1">
+              <a:lumMod val="20000"/>
+              <a:lumOff val="80000"/>
+            </a:schemeClr>
+          </a:solidFill>
+          <a:ln>
+            <a:noFill/>
+          </a:ln>
+          <a:effectLst>
+            <a:outerShdw blurRad="50800" dist="38100" dir="8100000" algn="tr" rotWithShape="0">
+              <a:prstClr val="black">
+                <a:alpha val="40000"/>
+              </a:prstClr>
+            </a:outerShdw>
+          </a:effectLst>
+        </p:spPr>
+        <p:style>
+          <a:lnRef idx="1">
+            <a:schemeClr val="accent3"/>
+          </a:lnRef>
+          <a:fillRef idx="2">
+            <a:schemeClr val="accent3"/>
+          </a:fillRef>
+          <a:effectRef idx="1">
+            <a:schemeClr val="accent3"/>
+          </a:effectRef>
+          <a:fontRef idx="minor">
+            <a:schemeClr val="dk1"/>
+          </a:fontRef>
+        </p:style>
+        <p:txBody>
+          <a:bodyPr rtlCol="0" anchor="ctr"/>
+          <a:lstStyle/>
+          <a:p>
+            <a:pPr algn="ctr"/>
+            <a:r>
+              <a:rPr lang="en-US" dirty="0" smtClean="0"/>
+              <a:t>Item buffer</a:t>
+            </a:r>
+            <a:endParaRPr lang="en-GB" dirty="0"/>
+          </a:p>
+        </p:txBody>
+      </p:sp>
+      <p:sp>
+        <p:nvSpPr>
+          <p:cNvPr id="24" name="Rectangle 23"/>
+          <p:cNvSpPr/>
+          <p:nvPr/>
+        </p:nvSpPr>
+        <p:spPr>
+          <a:xfrm>
+            <a:off x="3043438" y="1019676"/>
+            <a:ext cx="974230" cy="974230"/>
+          </a:xfrm>
+          <a:prstGeom prst="rect">
+            <a:avLst/>
+          </a:prstGeom>
+          <a:solidFill>
+            <a:schemeClr val="accent1">
+              <a:lumMod val="20000"/>
+              <a:lumOff val="80000"/>
+            </a:schemeClr>
+          </a:solidFill>
+          <a:ln>
+            <a:noFill/>
+          </a:ln>
+          <a:effectLst>
+            <a:outerShdw blurRad="50800" dist="38100" dir="8100000" algn="tr" rotWithShape="0">
+              <a:prstClr val="black">
+                <a:alpha val="40000"/>
+              </a:prstClr>
+            </a:outerShdw>
+          </a:effectLst>
+        </p:spPr>
+        <p:style>
+          <a:lnRef idx="1">
+            <a:schemeClr val="accent3"/>
+          </a:lnRef>
+          <a:fillRef idx="2">
+            <a:schemeClr val="accent3"/>
+          </a:fillRef>
+          <a:effectRef idx="1">
+            <a:schemeClr val="accent3"/>
+          </a:effectRef>
+          <a:fontRef idx="minor">
+            <a:schemeClr val="dk1"/>
+          </a:fontRef>
+        </p:style>
+        <p:txBody>
+          <a:bodyPr rtlCol="0" anchor="ctr"/>
+          <a:lstStyle/>
+          <a:p>
+            <a:pPr algn="ctr"/>
+            <a:r>
+              <a:rPr lang="en-US" dirty="0" smtClean="0"/>
+              <a:t>Depth buffer</a:t>
+            </a:r>
+            <a:endParaRPr lang="en-GB" dirty="0"/>
+          </a:p>
+        </p:txBody>
+      </p:sp>
+      <p:sp>
+        <p:nvSpPr>
+          <p:cNvPr id="25" name="Rectangle 24"/>
+          <p:cNvSpPr/>
+          <p:nvPr/>
+        </p:nvSpPr>
+        <p:spPr>
+          <a:xfrm>
+            <a:off x="12241032" y="1019676"/>
+            <a:ext cx="1066010" cy="1004904"/>
+          </a:xfrm>
+          <a:prstGeom prst="rect">
+            <a:avLst/>
+          </a:prstGeom>
+          <a:solidFill>
+            <a:schemeClr val="accent1">
+              <a:lumMod val="20000"/>
+              <a:lumOff val="80000"/>
+            </a:schemeClr>
+          </a:solidFill>
+          <a:ln>
+            <a:noFill/>
+          </a:ln>
+          <a:effectLst>
+            <a:outerShdw blurRad="50800" dist="38100" dir="8100000" algn="tr" rotWithShape="0">
+              <a:prstClr val="black">
+                <a:alpha val="40000"/>
+              </a:prstClr>
+            </a:outerShdw>
+          </a:effectLst>
+        </p:spPr>
+        <p:style>
+          <a:lnRef idx="1">
+            <a:schemeClr val="accent3"/>
+          </a:lnRef>
+          <a:fillRef idx="2">
+            <a:schemeClr val="accent3"/>
+          </a:fillRef>
+          <a:effectRef idx="1">
+            <a:schemeClr val="accent3"/>
+          </a:effectRef>
+          <a:fontRef idx="minor">
+            <a:schemeClr val="dk1"/>
+          </a:fontRef>
+        </p:style>
+        <p:txBody>
+          <a:bodyPr rtlCol="0" anchor="ctr"/>
+          <a:lstStyle/>
+          <a:p>
+            <a:pPr algn="ctr"/>
+            <a:r>
+              <a:rPr lang="en-US" dirty="0" smtClean="0"/>
+              <a:t>Color buffer</a:t>
+            </a:r>
+            <a:endParaRPr lang="en-GB" dirty="0"/>
+          </a:p>
+        </p:txBody>
+      </p:sp>
+      <p:cxnSp>
+        <p:nvCxnSpPr>
+          <p:cNvPr id="10" name="Straight Arrow Connector 9"/>
+          <p:cNvCxnSpPr>
+            <a:stCxn id="5" idx="0"/>
+            <a:endCxn id="24" idx="1"/>
+          </p:cNvCxnSpPr>
+          <p:nvPr/>
+        </p:nvCxnSpPr>
+        <p:spPr>
+          <a:xfrm flipV="1">
+            <a:off x="1227536" y="1506791"/>
+            <a:ext cx="1815902" cy="1062236"/>
+          </a:xfrm>
+          <a:prstGeom prst="straightConnector1">
+            <a:avLst/>
+          </a:prstGeom>
+          <a:ln w="25400">
+            <a:solidFill>
+              <a:schemeClr val="tx1">
+                <a:lumMod val="65000"/>
+                <a:lumOff val="35000"/>
+              </a:schemeClr>
+            </a:solidFill>
+            <a:prstDash val="solid"/>
+            <a:tailEnd type="triangle" w="lg" len="lg"/>
+          </a:ln>
+        </p:spPr>
+        <p:style>
+          <a:lnRef idx="1">
+            <a:schemeClr val="accent1"/>
+          </a:lnRef>
+          <a:fillRef idx="0">
+            <a:schemeClr val="accent1"/>
+          </a:fillRef>
+          <a:effectRef idx="0">
+            <a:schemeClr val="accent1"/>
+          </a:effectRef>
+          <a:fontRef idx="minor">
+            <a:schemeClr val="tx1"/>
+          </a:fontRef>
+        </p:style>
+      </p:cxnSp>
+      <p:cxnSp>
+        <p:nvCxnSpPr>
+          <p:cNvPr id="11" name="Straight Arrow Connector 10"/>
+          <p:cNvCxnSpPr>
+            <a:stCxn id="5" idx="0"/>
+            <a:endCxn id="23" idx="1"/>
+          </p:cNvCxnSpPr>
+          <p:nvPr/>
+        </p:nvCxnSpPr>
+        <p:spPr>
+          <a:xfrm flipV="1">
+            <a:off x="1227536" y="1506791"/>
+            <a:ext cx="6437644" cy="1062236"/>
+          </a:xfrm>
+          <a:prstGeom prst="straightConnector1">
+            <a:avLst/>
+          </a:prstGeom>
+          <a:ln w="25400">
+            <a:solidFill>
+              <a:schemeClr val="tx1">
+                <a:lumMod val="65000"/>
+                <a:lumOff val="35000"/>
+              </a:schemeClr>
+            </a:solidFill>
+            <a:prstDash val="solid"/>
+            <a:tailEnd type="triangle" w="lg" len="lg"/>
+          </a:ln>
+        </p:spPr>
+        <p:style>
+          <a:lnRef idx="1">
+            <a:schemeClr val="accent1"/>
+          </a:lnRef>
+          <a:fillRef idx="0">
+            <a:schemeClr val="accent1"/>
+          </a:fillRef>
+          <a:effectRef idx="0">
+            <a:schemeClr val="accent1"/>
+          </a:effectRef>
+          <a:fontRef idx="minor">
+            <a:schemeClr val="tx1"/>
+          </a:fontRef>
+        </p:style>
+      </p:cxnSp>
+      <p:sp>
+        <p:nvSpPr>
+          <p:cNvPr id="31" name="Rectangle 30"/>
+          <p:cNvSpPr/>
+          <p:nvPr/>
+        </p:nvSpPr>
+        <p:spPr>
+          <a:xfrm>
+            <a:off x="4251131" y="4606295"/>
+            <a:ext cx="958988" cy="974230"/>
+          </a:xfrm>
+          <a:prstGeom prst="rect">
+            <a:avLst/>
+          </a:prstGeom>
+          <a:solidFill>
+            <a:schemeClr val="accent1">
+              <a:lumMod val="20000"/>
+              <a:lumOff val="80000"/>
+            </a:schemeClr>
+          </a:solidFill>
+          <a:ln>
+            <a:noFill/>
+          </a:ln>
+          <a:effectLst>
+            <a:outerShdw blurRad="50800" dist="38100" dir="8100000" algn="tr" rotWithShape="0">
+              <a:prstClr val="black">
+                <a:alpha val="40000"/>
+              </a:prstClr>
+            </a:outerShdw>
+          </a:effectLst>
+        </p:spPr>
+        <p:style>
+          <a:lnRef idx="1">
+            <a:schemeClr val="accent3"/>
+          </a:lnRef>
+          <a:fillRef idx="2">
+            <a:schemeClr val="accent3"/>
+          </a:fillRef>
+          <a:effectRef idx="1">
+            <a:schemeClr val="accent3"/>
+          </a:effectRef>
+          <a:fontRef idx="minor">
+            <a:schemeClr val="dk1"/>
+          </a:fontRef>
+        </p:style>
+        <p:txBody>
+          <a:bodyPr rtlCol="0" anchor="ctr"/>
+          <a:lstStyle/>
+          <a:p>
+            <a:pPr algn="ctr"/>
+            <a:r>
+              <a:rPr lang="en-US" sz="1700" dirty="0" smtClean="0"/>
+              <a:t>N-buffers</a:t>
+            </a:r>
+            <a:endParaRPr lang="en-GB" sz="1700" dirty="0"/>
+          </a:p>
+        </p:txBody>
+      </p:sp>
+      <p:cxnSp>
+        <p:nvCxnSpPr>
+          <p:cNvPr id="15" name="Straight Arrow Connector 14"/>
+          <p:cNvCxnSpPr>
+            <a:stCxn id="6" idx="2"/>
+            <a:endCxn id="31" idx="0"/>
+          </p:cNvCxnSpPr>
+          <p:nvPr/>
+        </p:nvCxnSpPr>
+        <p:spPr>
+          <a:xfrm>
+            <a:off x="3536837" y="4242218"/>
+            <a:ext cx="1193788" cy="364077"/>
+          </a:xfrm>
+          <a:prstGeom prst="straightConnector1">
+            <a:avLst/>
+          </a:prstGeom>
+          <a:ln w="25400">
+            <a:solidFill>
+              <a:schemeClr val="tx1">
+                <a:lumMod val="65000"/>
+                <a:lumOff val="35000"/>
+              </a:schemeClr>
+            </a:solidFill>
+            <a:prstDash val="solid"/>
+            <a:tailEnd type="triangle" w="lg" len="lg"/>
+          </a:ln>
+        </p:spPr>
+        <p:style>
+          <a:lnRef idx="1">
+            <a:schemeClr val="accent1"/>
+          </a:lnRef>
+          <a:fillRef idx="0">
+            <a:schemeClr val="accent1"/>
+          </a:fillRef>
+          <a:effectRef idx="0">
+            <a:schemeClr val="accent1"/>
+          </a:effectRef>
+          <a:fontRef idx="minor">
+            <a:schemeClr val="tx1"/>
+          </a:fontRef>
+        </p:style>
+      </p:cxnSp>
+      <p:cxnSp>
+        <p:nvCxnSpPr>
+          <p:cNvPr id="33" name="Straight Arrow Connector 32"/>
+          <p:cNvCxnSpPr>
+            <a:stCxn id="24" idx="2"/>
+            <a:endCxn id="6" idx="0"/>
+          </p:cNvCxnSpPr>
+          <p:nvPr/>
+        </p:nvCxnSpPr>
+        <p:spPr>
+          <a:xfrm>
+            <a:off x="3530553" y="1993906"/>
+            <a:ext cx="6284" cy="560608"/>
+          </a:xfrm>
+          <a:prstGeom prst="straightConnector1">
+            <a:avLst/>
+          </a:prstGeom>
+          <a:ln w="25400">
+            <a:solidFill>
+              <a:schemeClr val="tx1">
+                <a:lumMod val="65000"/>
+                <a:lumOff val="35000"/>
+              </a:schemeClr>
+            </a:solidFill>
+            <a:prstDash val="solid"/>
+            <a:tailEnd type="triangle" w="lg" len="lg"/>
+          </a:ln>
+        </p:spPr>
+        <p:style>
+          <a:lnRef idx="1">
+            <a:schemeClr val="accent1"/>
+          </a:lnRef>
+          <a:fillRef idx="0">
+            <a:schemeClr val="accent1"/>
+          </a:fillRef>
+          <a:effectRef idx="0">
+            <a:schemeClr val="accent1"/>
+          </a:effectRef>
+          <a:fontRef idx="minor">
+            <a:schemeClr val="tx1"/>
+          </a:fontRef>
+        </p:style>
+      </p:cxnSp>
+      <p:cxnSp>
+        <p:nvCxnSpPr>
+          <p:cNvPr id="37" name="Straight Arrow Connector 36"/>
+          <p:cNvCxnSpPr>
+            <a:stCxn id="31" idx="0"/>
+            <a:endCxn id="7" idx="2"/>
+          </p:cNvCxnSpPr>
+          <p:nvPr/>
+        </p:nvCxnSpPr>
+        <p:spPr>
+          <a:xfrm flipV="1">
+            <a:off x="4730625" y="4242218"/>
+            <a:ext cx="1115512" cy="364077"/>
+          </a:xfrm>
+          <a:prstGeom prst="straightConnector1">
+            <a:avLst/>
+          </a:prstGeom>
+          <a:ln w="25400">
+            <a:solidFill>
+              <a:schemeClr val="tx1">
+                <a:lumMod val="65000"/>
+                <a:lumOff val="35000"/>
+              </a:schemeClr>
+            </a:solidFill>
+            <a:prstDash val="solid"/>
+            <a:tailEnd type="triangle" w="lg" len="lg"/>
+          </a:ln>
+        </p:spPr>
+        <p:style>
+          <a:lnRef idx="1">
+            <a:schemeClr val="accent1"/>
+          </a:lnRef>
+          <a:fillRef idx="0">
+            <a:schemeClr val="accent1"/>
+          </a:fillRef>
+          <a:effectRef idx="0">
+            <a:schemeClr val="accent1"/>
+          </a:effectRef>
+          <a:fontRef idx="minor">
+            <a:schemeClr val="tx1"/>
+          </a:fontRef>
+        </p:style>
+      </p:cxnSp>
+      <p:cxnSp>
+        <p:nvCxnSpPr>
+          <p:cNvPr id="19" name="Straight Arrow Connector 18"/>
+          <p:cNvCxnSpPr>
+            <a:stCxn id="8" idx="0"/>
+            <a:endCxn id="23" idx="2"/>
+          </p:cNvCxnSpPr>
+          <p:nvPr/>
+        </p:nvCxnSpPr>
+        <p:spPr>
+          <a:xfrm flipH="1" flipV="1">
+            <a:off x="8152295" y="1993906"/>
+            <a:ext cx="3142" cy="571494"/>
+          </a:xfrm>
+          <a:prstGeom prst="straightConnector1">
+            <a:avLst/>
+          </a:prstGeom>
+          <a:ln w="25400">
+            <a:solidFill>
+              <a:schemeClr val="tx1">
+                <a:lumMod val="65000"/>
+                <a:lumOff val="35000"/>
+              </a:schemeClr>
+            </a:solidFill>
+            <a:prstDash val="solid"/>
+            <a:tailEnd type="triangle" w="lg" len="lg"/>
+          </a:ln>
+        </p:spPr>
+        <p:style>
+          <a:lnRef idx="1">
+            <a:schemeClr val="accent1"/>
+          </a:lnRef>
+          <a:fillRef idx="0">
+            <a:schemeClr val="accent1"/>
+          </a:fillRef>
+          <a:effectRef idx="0">
+            <a:schemeClr val="accent1"/>
+          </a:effectRef>
+          <a:fontRef idx="minor">
+            <a:schemeClr val="tx1"/>
+          </a:fontRef>
+        </p:style>
+      </p:cxnSp>
+      <p:cxnSp>
+        <p:nvCxnSpPr>
+          <p:cNvPr id="20" name="Straight Arrow Connector 19"/>
+          <p:cNvCxnSpPr>
+            <a:stCxn id="8" idx="0"/>
+            <a:endCxn id="24" idx="3"/>
+          </p:cNvCxnSpPr>
+          <p:nvPr/>
+        </p:nvCxnSpPr>
+        <p:spPr>
+          <a:xfrm flipH="1" flipV="1">
+            <a:off x="4017668" y="1506791"/>
+            <a:ext cx="4137769" cy="1058609"/>
+          </a:xfrm>
+          <a:prstGeom prst="straightConnector1">
+            <a:avLst/>
+          </a:prstGeom>
+          <a:ln w="25400">
+            <a:solidFill>
+              <a:schemeClr val="tx1">
+                <a:lumMod val="65000"/>
+                <a:lumOff val="35000"/>
+              </a:schemeClr>
+            </a:solidFill>
+            <a:prstDash val="solid"/>
+            <a:tailEnd type="triangle" w="lg" len="lg"/>
+          </a:ln>
+        </p:spPr>
+        <p:style>
+          <a:lnRef idx="1">
+            <a:schemeClr val="accent1"/>
+          </a:lnRef>
+          <a:fillRef idx="0">
+            <a:schemeClr val="accent1"/>
+          </a:fillRef>
+          <a:effectRef idx="0">
+            <a:schemeClr val="accent1"/>
+          </a:effectRef>
+          <a:fontRef idx="minor">
+            <a:schemeClr val="tx1"/>
+          </a:fontRef>
+        </p:style>
+      </p:cxnSp>
+      <p:sp>
+        <p:nvSpPr>
+          <p:cNvPr id="59" name="Rectangle 58"/>
+          <p:cNvSpPr/>
+          <p:nvPr/>
+        </p:nvSpPr>
+        <p:spPr>
+          <a:xfrm>
+            <a:off x="6552810" y="4606295"/>
+            <a:ext cx="974230" cy="974230"/>
+          </a:xfrm>
+          <a:prstGeom prst="rect">
+            <a:avLst/>
+          </a:prstGeom>
+          <a:solidFill>
+            <a:schemeClr val="accent1">
+              <a:lumMod val="20000"/>
+              <a:lumOff val="80000"/>
+            </a:schemeClr>
+          </a:solidFill>
+          <a:ln>
+            <a:noFill/>
+          </a:ln>
+          <a:effectLst>
+            <a:outerShdw blurRad="50800" dist="38100" dir="8100000" algn="tr" rotWithShape="0">
+              <a:prstClr val="black">
+                <a:alpha val="40000"/>
+              </a:prstClr>
+            </a:outerShdw>
+          </a:effectLst>
+        </p:spPr>
+        <p:style>
+          <a:lnRef idx="1">
+            <a:schemeClr val="accent3"/>
+          </a:lnRef>
+          <a:fillRef idx="2">
+            <a:schemeClr val="accent3"/>
+          </a:fillRef>
+          <a:effectRef idx="1">
+            <a:schemeClr val="accent3"/>
+          </a:effectRef>
+          <a:fontRef idx="minor">
+            <a:schemeClr val="dk1"/>
+          </a:fontRef>
+        </p:style>
+        <p:txBody>
+          <a:bodyPr rtlCol="0" anchor="ctr"/>
+          <a:lstStyle/>
+          <a:p>
+            <a:pPr algn="ctr"/>
+            <a:r>
+              <a:rPr lang="en-US" dirty="0" smtClean="0"/>
+              <a:t>Cull Flags</a:t>
+            </a:r>
+            <a:endParaRPr lang="en-GB" dirty="0"/>
+          </a:p>
+        </p:txBody>
+      </p:sp>
+      <p:cxnSp>
+        <p:nvCxnSpPr>
+          <p:cNvPr id="60" name="Straight Arrow Connector 59"/>
+          <p:cNvCxnSpPr>
+            <a:stCxn id="18" idx="2"/>
+            <a:endCxn id="59" idx="3"/>
+          </p:cNvCxnSpPr>
+          <p:nvPr/>
+        </p:nvCxnSpPr>
+        <p:spPr>
+          <a:xfrm flipH="1">
+            <a:off x="7527040" y="4242218"/>
+            <a:ext cx="2937697" cy="851192"/>
+          </a:xfrm>
+          <a:prstGeom prst="straightConnector1">
+            <a:avLst/>
+          </a:prstGeom>
+          <a:ln w="25400">
+            <a:solidFill>
+              <a:schemeClr val="tx1">
+                <a:lumMod val="65000"/>
+                <a:lumOff val="35000"/>
+              </a:schemeClr>
+            </a:solidFill>
+            <a:prstDash val="solid"/>
+            <a:tailEnd type="triangle" w="lg" len="lg"/>
+          </a:ln>
+        </p:spPr>
+        <p:style>
+          <a:lnRef idx="1">
+            <a:schemeClr val="accent1"/>
+          </a:lnRef>
+          <a:fillRef idx="0">
+            <a:schemeClr val="accent1"/>
+          </a:fillRef>
+          <a:effectRef idx="0">
+            <a:schemeClr val="accent1"/>
+          </a:effectRef>
+          <a:fontRef idx="minor">
+            <a:schemeClr val="tx1"/>
+          </a:fontRef>
+        </p:style>
+      </p:cxnSp>
+      <p:cxnSp>
+        <p:nvCxnSpPr>
+          <p:cNvPr id="64" name="Straight Arrow Connector 63"/>
+          <p:cNvCxnSpPr>
+            <a:stCxn id="7" idx="2"/>
+            <a:endCxn id="59" idx="0"/>
+          </p:cNvCxnSpPr>
+          <p:nvPr/>
+        </p:nvCxnSpPr>
+        <p:spPr>
+          <a:xfrm>
+            <a:off x="5846137" y="4242218"/>
+            <a:ext cx="1193788" cy="364077"/>
+          </a:xfrm>
+          <a:prstGeom prst="straightConnector1">
+            <a:avLst/>
+          </a:prstGeom>
+          <a:ln w="25400">
+            <a:solidFill>
+              <a:schemeClr val="tx1">
+                <a:lumMod val="65000"/>
+                <a:lumOff val="35000"/>
+              </a:schemeClr>
+            </a:solidFill>
+            <a:prstDash val="solid"/>
+            <a:tailEnd type="triangle" w="lg" len="lg"/>
+          </a:ln>
+        </p:spPr>
+        <p:style>
+          <a:lnRef idx="1">
+            <a:schemeClr val="accent1"/>
+          </a:lnRef>
+          <a:fillRef idx="0">
+            <a:schemeClr val="accent1"/>
+          </a:fillRef>
+          <a:effectRef idx="0">
+            <a:schemeClr val="accent1"/>
+          </a:effectRef>
+          <a:fontRef idx="minor">
+            <a:schemeClr val="tx1"/>
+          </a:fontRef>
+        </p:style>
+      </p:cxnSp>
+      <p:cxnSp>
+        <p:nvCxnSpPr>
+          <p:cNvPr id="69" name="Straight Arrow Connector 68"/>
+          <p:cNvCxnSpPr>
+            <a:stCxn id="23" idx="2"/>
+            <a:endCxn id="18" idx="0"/>
+          </p:cNvCxnSpPr>
+          <p:nvPr/>
+        </p:nvCxnSpPr>
+        <p:spPr>
+          <a:xfrm>
+            <a:off x="8152295" y="1993906"/>
+            <a:ext cx="2312442" cy="571494"/>
+          </a:xfrm>
+          <a:prstGeom prst="straightConnector1">
+            <a:avLst/>
+          </a:prstGeom>
+          <a:ln w="25400">
+            <a:solidFill>
+              <a:schemeClr val="tx1">
+                <a:lumMod val="65000"/>
+                <a:lumOff val="35000"/>
+              </a:schemeClr>
+            </a:solidFill>
+            <a:prstDash val="solid"/>
+            <a:tailEnd type="triangle" w="lg" len="lg"/>
+          </a:ln>
+        </p:spPr>
+        <p:style>
+          <a:lnRef idx="1">
+            <a:schemeClr val="accent1"/>
+          </a:lnRef>
+          <a:fillRef idx="0">
+            <a:schemeClr val="accent1"/>
+          </a:fillRef>
+          <a:effectRef idx="0">
+            <a:schemeClr val="accent1"/>
+          </a:effectRef>
+          <a:fontRef idx="minor">
+            <a:schemeClr val="tx1"/>
+          </a:fontRef>
+        </p:style>
+      </p:cxnSp>
+      <p:cxnSp>
+        <p:nvCxnSpPr>
+          <p:cNvPr id="75" name="Straight Arrow Connector 74"/>
+          <p:cNvCxnSpPr>
+            <a:stCxn id="23" idx="3"/>
+            <a:endCxn id="22" idx="0"/>
+          </p:cNvCxnSpPr>
+          <p:nvPr/>
+        </p:nvCxnSpPr>
+        <p:spPr>
+          <a:xfrm>
+            <a:off x="8639410" y="1506791"/>
+            <a:ext cx="4134627" cy="1058609"/>
+          </a:xfrm>
+          <a:prstGeom prst="straightConnector1">
+            <a:avLst/>
+          </a:prstGeom>
+          <a:ln w="25400">
+            <a:solidFill>
+              <a:schemeClr val="tx1">
+                <a:lumMod val="65000"/>
+                <a:lumOff val="35000"/>
+              </a:schemeClr>
+            </a:solidFill>
+            <a:prstDash val="solid"/>
+            <a:tailEnd type="triangle" w="lg" len="lg"/>
+          </a:ln>
+        </p:spPr>
+        <p:style>
+          <a:lnRef idx="1">
+            <a:schemeClr val="accent1"/>
+          </a:lnRef>
+          <a:fillRef idx="0">
+            <a:schemeClr val="accent1"/>
+          </a:fillRef>
+          <a:effectRef idx="0">
+            <a:schemeClr val="accent1"/>
+          </a:effectRef>
+          <a:fontRef idx="minor">
+            <a:schemeClr val="tx1"/>
+          </a:fontRef>
+        </p:style>
+      </p:cxnSp>
+      <p:cxnSp>
+        <p:nvCxnSpPr>
+          <p:cNvPr id="79" name="Straight Arrow Connector 78"/>
+          <p:cNvCxnSpPr>
+            <a:stCxn id="22" idx="0"/>
+            <a:endCxn id="25" idx="2"/>
+          </p:cNvCxnSpPr>
+          <p:nvPr/>
+        </p:nvCxnSpPr>
+        <p:spPr>
+          <a:xfrm flipV="1">
+            <a:off x="12774037" y="2024580"/>
+            <a:ext cx="0" cy="540820"/>
+          </a:xfrm>
+          <a:prstGeom prst="straightConnector1">
+            <a:avLst/>
+          </a:prstGeom>
+          <a:ln w="25400">
+            <a:solidFill>
+              <a:schemeClr val="tx1">
+                <a:lumMod val="65000"/>
+                <a:lumOff val="35000"/>
+              </a:schemeClr>
+            </a:solidFill>
+            <a:prstDash val="solid"/>
+            <a:tailEnd type="triangle" w="lg" len="lg"/>
+          </a:ln>
+        </p:spPr>
+        <p:style>
+          <a:lnRef idx="1">
+            <a:schemeClr val="accent1"/>
+          </a:lnRef>
+          <a:fillRef idx="0">
+            <a:schemeClr val="accent1"/>
+          </a:fillRef>
+          <a:effectRef idx="0">
+            <a:schemeClr val="accent1"/>
+          </a:effectRef>
+          <a:fontRef idx="minor">
+            <a:schemeClr val="tx1"/>
+          </a:fontRef>
+        </p:style>
+      </p:cxnSp>
+      <p:sp>
+        <p:nvSpPr>
+          <p:cNvPr id="142" name="Rectangle 141"/>
+          <p:cNvSpPr/>
+          <p:nvPr/>
+        </p:nvSpPr>
+        <p:spPr>
+          <a:xfrm>
+            <a:off x="7342807" y="3518100"/>
+            <a:ext cx="1625259" cy="609553"/>
+          </a:xfrm>
+          <a:prstGeom prst="rect">
+            <a:avLst/>
+          </a:prstGeom>
+          <a:solidFill>
+            <a:schemeClr val="lt1">
+              <a:alpha val="58000"/>
+            </a:schemeClr>
+          </a:solidFill>
+        </p:spPr>
+        <p:style>
+          <a:lnRef idx="2">
+            <a:schemeClr val="accent3"/>
+          </a:lnRef>
+          <a:fillRef idx="1">
+            <a:schemeClr val="lt1"/>
+          </a:fillRef>
+          <a:effectRef idx="0">
+            <a:schemeClr val="accent3"/>
+          </a:effectRef>
+          <a:fontRef idx="minor">
+            <a:schemeClr val="dk1"/>
+          </a:fontRef>
+        </p:style>
+        <p:txBody>
+          <a:bodyPr rtlCol="0" anchor="ctr"/>
+          <a:lstStyle/>
+          <a:p>
+            <a:pPr algn="ctr"/>
+            <a:r>
+              <a:rPr lang="en-US" sz="1400" dirty="0" smtClean="0"/>
+              <a:t>Generate &amp; issue render commands</a:t>
+            </a:r>
+            <a:endParaRPr lang="en-GB" sz="1400" dirty="0"/>
+          </a:p>
+        </p:txBody>
+      </p:sp>
+      <p:sp>
+        <p:nvSpPr>
+          <p:cNvPr id="143" name="Rectangle 142"/>
+          <p:cNvSpPr/>
+          <p:nvPr/>
+        </p:nvSpPr>
+        <p:spPr>
+          <a:xfrm>
+            <a:off x="5033507" y="3505833"/>
+            <a:ext cx="1625259" cy="609553"/>
+          </a:xfrm>
+          <a:prstGeom prst="rect">
+            <a:avLst/>
+          </a:prstGeom>
+          <a:solidFill>
+            <a:schemeClr val="lt1">
+              <a:alpha val="58000"/>
+            </a:schemeClr>
+          </a:solidFill>
+        </p:spPr>
+        <p:style>
+          <a:lnRef idx="2">
+            <a:schemeClr val="accent3"/>
+          </a:lnRef>
+          <a:fillRef idx="1">
+            <a:schemeClr val="lt1"/>
+          </a:fillRef>
+          <a:effectRef idx="0">
+            <a:schemeClr val="accent3"/>
+          </a:effectRef>
+          <a:fontRef idx="minor">
+            <a:schemeClr val="dk1"/>
+          </a:fontRef>
+        </p:style>
+        <p:txBody>
+          <a:bodyPr rtlCol="0" anchor="ctr"/>
+          <a:lstStyle/>
+          <a:p>
+            <a:pPr algn="ctr"/>
+            <a:r>
+              <a:rPr lang="en-US" sz="1400" dirty="0" err="1" smtClean="0"/>
+              <a:t>Frustrum</a:t>
+            </a:r>
+            <a:r>
+              <a:rPr lang="en-US" sz="1400" dirty="0" smtClean="0"/>
+              <a:t> &amp; occlusion culling</a:t>
+            </a:r>
+            <a:endParaRPr lang="en-GB" sz="1400" dirty="0"/>
+          </a:p>
+        </p:txBody>
+      </p:sp>
+      <p:cxnSp>
+        <p:nvCxnSpPr>
+          <p:cNvPr id="300" name="Straight Arrow Connector 299"/>
+          <p:cNvCxnSpPr>
+            <a:stCxn id="59" idx="0"/>
+            <a:endCxn id="8" idx="2"/>
+          </p:cNvCxnSpPr>
+          <p:nvPr/>
+        </p:nvCxnSpPr>
+        <p:spPr>
+          <a:xfrm flipV="1">
+            <a:off x="7039925" y="4242218"/>
+            <a:ext cx="1115512" cy="364077"/>
+          </a:xfrm>
+          <a:prstGeom prst="straightConnector1">
+            <a:avLst/>
+          </a:prstGeom>
+          <a:ln w="25400">
+            <a:solidFill>
+              <a:schemeClr val="tx1">
+                <a:lumMod val="65000"/>
+                <a:lumOff val="35000"/>
+              </a:schemeClr>
+            </a:solidFill>
+            <a:prstDash val="solid"/>
+            <a:tailEnd type="triangle" w="lg" len="lg"/>
+          </a:ln>
+        </p:spPr>
+        <p:style>
+          <a:lnRef idx="1">
+            <a:schemeClr val="accent1"/>
+          </a:lnRef>
+          <a:fillRef idx="0">
+            <a:schemeClr val="accent1"/>
+          </a:fillRef>
+          <a:effectRef idx="0">
+            <a:schemeClr val="accent1"/>
+          </a:effectRef>
+          <a:fontRef idx="minor">
+            <a:schemeClr val="tx1"/>
+          </a:fontRef>
+        </p:style>
+      </p:cxnSp>
+    </p:spTree>
+    <p:extLst>
+      <p:ext uri="{BB962C8B-B14F-4D97-AF65-F5344CB8AC3E}">
+        <p14:creationId xmlns:p14="http://schemas.microsoft.com/office/powerpoint/2010/main" val="2895417597"/>
+      </p:ext>
+    </p:extLst>
+  </p:cSld>
+  <p:clrMapOvr>
+    <a:masterClrMapping/>
+  </p:clrMapOvr>
+</p:sld>
+</file>
+
 <file path=ppt/theme/theme1.xml><?xml version="1.0" encoding="utf-8"?>
 <a:theme xmlns:a="http://schemas.openxmlformats.org/drawingml/2006/main" name="Office Theme">
   <a:themeElements>
